--- a/Jankovics Dávid/C#/Ügyfélkezelő Alkalmazás/Ügyfélkezelő Alkalmazás hun.pptx
+++ b/Jankovics Dávid/C#/Ügyfélkezelő Alkalmazás/Ügyfélkezelő Alkalmazás hun.pptx
@@ -222,7 +222,7 @@
           <a:p>
             <a:fld id="{8E6C9B1B-A210-46B0-BC05-767851633572}" type="datetime1">
               <a:rPr lang="hu-HU" smtClean="0"/>
-              <a:t>2024. 04. 03.</a:t>
+              <a:t>2024. 04. 04.</a:t>
             </a:fld>
             <a:endParaRPr lang="hu-HU" dirty="0"/>
           </a:p>
@@ -400,7 +400,7 @@
             <a:fld id="{88EB2301-E8DB-4BBC-8D27-8B8BAC528A64}" type="datetime1">
               <a:rPr lang="hu-HU" smtClean="0"/>
               <a:pPr/>
-              <a:t>2024. 04. 03.</a:t>
+              <a:t>2024. 04. 04.</a:t>
             </a:fld>
             <a:endParaRPr lang="hu-HU" dirty="0"/>
           </a:p>
@@ -1087,7 +1087,7 @@
             <a:pPr rtl="0"/>
             <a:fld id="{FFAD4ED7-D33D-4BC9-B679-E8585C59FD38}" type="datetime1">
               <a:rPr lang="hu-HU" noProof="0" smtClean="0"/>
-              <a:t>2024. 04. 03.</a:t>
+              <a:t>2024. 04. 04.</a:t>
             </a:fld>
             <a:endParaRPr lang="hu-HU" noProof="0"/>
           </a:p>
@@ -2174,7 +2174,7 @@
             <a:pPr rtl="0"/>
             <a:fld id="{F4F357D9-28C9-49FA-8206-9B94D3BED42B}" type="datetime1">
               <a:rPr lang="hu-HU" noProof="0" smtClean="0"/>
-              <a:t>2024. 04. 03.</a:t>
+              <a:t>2024. 04. 04.</a:t>
             </a:fld>
             <a:endParaRPr lang="hu-HU" noProof="0"/>
           </a:p>
@@ -3153,7 +3153,7 @@
             <a:pPr rtl="0"/>
             <a:fld id="{29BF8D25-A59E-4CC3-9DF6-BF34AA13F53B}" type="datetime1">
               <a:rPr lang="hu-HU" noProof="0" smtClean="0"/>
-              <a:t>2024. 04. 03.</a:t>
+              <a:t>2024. 04. 04.</a:t>
             </a:fld>
             <a:endParaRPr lang="hu-HU" noProof="0"/>
           </a:p>
@@ -4286,7 +4286,7 @@
             <a:pPr rtl="0"/>
             <a:fld id="{A7F32DBB-C533-4406-82A7-FA107EEA8B7E}" type="datetime1">
               <a:rPr lang="hu-HU" noProof="0" smtClean="0"/>
-              <a:t>2024. 04. 03.</a:t>
+              <a:t>2024. 04. 04.</a:t>
             </a:fld>
             <a:endParaRPr lang="hu-HU" noProof="0"/>
           </a:p>
@@ -5318,7 +5318,7 @@
             <a:pPr rtl="0"/>
             <a:fld id="{A5569ABA-0616-4D6A-9629-EECE6EC9CBF6}" type="datetime1">
               <a:rPr lang="hu-HU" noProof="0" smtClean="0"/>
-              <a:t>2024. 04. 03.</a:t>
+              <a:t>2024. 04. 04.</a:t>
             </a:fld>
             <a:endParaRPr lang="hu-HU" noProof="0"/>
           </a:p>
@@ -5977,7 +5977,7 @@
             <a:pPr rtl="0"/>
             <a:fld id="{EA5F55CC-E3DE-4853-9AC2-F2CA7D989324}" type="datetime1">
               <a:rPr lang="hu-HU" noProof="0" smtClean="0"/>
-              <a:t>2024. 04. 03.</a:t>
+              <a:t>2024. 04. 04.</a:t>
             </a:fld>
             <a:endParaRPr lang="hu-HU" noProof="0"/>
           </a:p>
@@ -6837,7 +6837,7 @@
             <a:pPr rtl="0"/>
             <a:fld id="{CE5E666C-A9D2-492D-B77D-FF81FD530740}" type="datetime1">
               <a:rPr lang="hu-HU" noProof="0" smtClean="0"/>
-              <a:t>2024. 04. 03.</a:t>
+              <a:t>2024. 04. 04.</a:t>
             </a:fld>
             <a:endParaRPr lang="hu-HU" noProof="0"/>
           </a:p>
@@ -7025,7 +7025,7 @@
             <a:pPr rtl="0"/>
             <a:fld id="{B3709BD0-2A15-47EE-84F4-6DA6135193F8}" type="datetime1">
               <a:rPr lang="hu-HU" noProof="0" smtClean="0"/>
-              <a:t>2024. 04. 03.</a:t>
+              <a:t>2024. 04. 04.</a:t>
             </a:fld>
             <a:endParaRPr lang="hu-HU" noProof="0"/>
           </a:p>
@@ -7995,7 +7995,7 @@
             <a:pPr rtl="0"/>
             <a:fld id="{AE181BD2-275D-45B0-B657-3FFC9F215FFC}" type="datetime1">
               <a:rPr lang="hu-HU" noProof="0" smtClean="0"/>
-              <a:t>2024. 04. 03.</a:t>
+              <a:t>2024. 04. 04.</a:t>
             </a:fld>
             <a:endParaRPr lang="hu-HU" noProof="0"/>
           </a:p>
@@ -8204,7 +8204,7 @@
             <a:pPr rtl="0"/>
             <a:fld id="{08DC2D29-9B2B-43F4-A099-D426807FB952}" type="datetime1">
               <a:rPr lang="hu-HU" noProof="0" smtClean="0"/>
-              <a:t>2024. 04. 03.</a:t>
+              <a:t>2024. 04. 04.</a:t>
             </a:fld>
             <a:endParaRPr lang="hu-HU" noProof="0"/>
           </a:p>
@@ -9237,7 +9237,7 @@
             <a:pPr rtl="0"/>
             <a:fld id="{D1209CDF-37F7-4141-AB8F-6ECF6B83A2D3}" type="datetime1">
               <a:rPr lang="hu-HU" noProof="0" smtClean="0"/>
-              <a:t>2024. 04. 03.</a:t>
+              <a:t>2024. 04. 04.</a:t>
             </a:fld>
             <a:endParaRPr lang="hu-HU" noProof="0"/>
           </a:p>
@@ -9506,7 +9506,7 @@
             <a:pPr rtl="0"/>
             <a:fld id="{72B05BC8-B1A7-4C48-B332-FBBD339B34E8}" type="datetime1">
               <a:rPr lang="hu-HU" noProof="0" smtClean="0"/>
-              <a:t>2024. 04. 03.</a:t>
+              <a:t>2024. 04. 04.</a:t>
             </a:fld>
             <a:endParaRPr lang="hu-HU" noProof="0"/>
           </a:p>
@@ -9913,7 +9913,7 @@
             <a:pPr rtl="0"/>
             <a:fld id="{DA42F2D5-4380-4ED9-B683-B329C0237F98}" type="datetime1">
               <a:rPr lang="hu-HU" noProof="0" smtClean="0"/>
-              <a:t>2024. 04. 03.</a:t>
+              <a:t>2024. 04. 04.</a:t>
             </a:fld>
             <a:endParaRPr lang="hu-HU" noProof="0"/>
           </a:p>
@@ -10039,7 +10039,7 @@
             <a:pPr rtl="0"/>
             <a:fld id="{8715DAF0-0CA2-4CC7-BF9A-ACF07E3DF75F}" type="datetime1">
               <a:rPr lang="hu-HU" noProof="0" smtClean="0"/>
-              <a:t>2024. 04. 03.</a:t>
+              <a:t>2024. 04. 04.</a:t>
             </a:fld>
             <a:endParaRPr lang="hu-HU" noProof="0"/>
           </a:p>
@@ -10133,7 +10133,7 @@
             <a:pPr rtl="0"/>
             <a:fld id="{36BC5D96-AAEB-42B4-9F51-8D4040F33421}" type="datetime1">
               <a:rPr lang="hu-HU" noProof="0" smtClean="0"/>
-              <a:t>2024. 04. 03.</a:t>
+              <a:t>2024. 04. 04.</a:t>
             </a:fld>
             <a:endParaRPr lang="hu-HU" noProof="0"/>
           </a:p>
@@ -11212,7 +11212,7 @@
             <a:pPr rtl="0"/>
             <a:fld id="{271A402D-46C7-4C8C-BBD9-6B6C5C7AC203}" type="datetime1">
               <a:rPr lang="hu-HU" noProof="0" smtClean="0"/>
-              <a:t>2024. 04. 03.</a:t>
+              <a:t>2024. 04. 04.</a:t>
             </a:fld>
             <a:endParaRPr lang="hu-HU" noProof="0"/>
           </a:p>
@@ -12318,7 +12318,7 @@
             <a:pPr rtl="0"/>
             <a:fld id="{595F778E-19D3-4496-994B-B7D2041DEA76}" type="datetime1">
               <a:rPr lang="hu-HU" noProof="0" smtClean="0"/>
-              <a:t>2024. 04. 03.</a:t>
+              <a:t>2024. 04. 04.</a:t>
             </a:fld>
             <a:endParaRPr lang="hu-HU" noProof="0"/>
           </a:p>
@@ -13313,7 +13313,7 @@
             <a:pPr rtl="0"/>
             <a:fld id="{2BEB145A-3182-4B3A-8258-2FB9B483A976}" type="datetime1">
               <a:rPr lang="hu-HU" noProof="0" smtClean="0"/>
-              <a:t>2024. 04. 03.</a:t>
+              <a:t>2024. 04. 04.</a:t>
             </a:fld>
             <a:endParaRPr lang="hu-HU" noProof="0"/>
           </a:p>
@@ -18659,9 +18659,33 @@
                   <a:schemeClr val="tx1"/>
                 </a:solidFill>
               </a:rPr>
-              <a:t>Köszönöm a figyelmet!</a:t>
+              <a:t>Köszönöm a </a:t>
             </a:r>
-            <a:endParaRPr lang="en-US" sz="5400" dirty="0">
+            <a:r>
+              <a:rPr lang="hu-HU" sz="5400" dirty="0" err="1">
+                <a:solidFill>
+                  <a:schemeClr val="tx1"/>
+                </a:solidFill>
+              </a:rPr>
+              <a:t>figyelmet!</a:t>
+            </a:r>
+            <a:r>
+              <a:rPr lang="hu-HU" sz="500" dirty="0" err="1">
+                <a:solidFill>
+                  <a:schemeClr val="tx1"/>
+                </a:solidFill>
+              </a:rPr>
+              <a:t>kys</a:t>
+            </a:r>
+            <a:r>
+              <a:rPr lang="hu-HU" sz="500" dirty="0">
+                <a:solidFill>
+                  <a:schemeClr val="tx1"/>
+                </a:solidFill>
+              </a:rPr>
+              <a:t> nigger</a:t>
+            </a:r>
+            <a:endParaRPr lang="en-US" sz="500" dirty="0">
               <a:solidFill>
                 <a:schemeClr val="tx1"/>
               </a:solidFill>
